--- a/06. ASP.NET-Caching-Data/ASP.NET Caching Data.pptx
+++ b/06. ASP.NET-Caching-Data/ASP.NET Caching Data.pptx
@@ -5,10 +5,10 @@
     <p:sldMasterId id="2147483672" r:id="rId1"/>
   </p:sldMasterIdLst>
   <p:notesMasterIdLst>
-    <p:notesMasterId r:id="rId32"/>
+    <p:notesMasterId r:id="rId31"/>
   </p:notesMasterIdLst>
   <p:handoutMasterIdLst>
-    <p:handoutMasterId r:id="rId33"/>
+    <p:handoutMasterId r:id="rId32"/>
   </p:handoutMasterIdLst>
   <p:sldIdLst>
     <p:sldId id="570" r:id="rId2"/>
@@ -39,13 +39,12 @@
     <p:sldId id="841" r:id="rId27"/>
     <p:sldId id="842" r:id="rId28"/>
     <p:sldId id="460" r:id="rId29"/>
-    <p:sldId id="812" r:id="rId30"/>
-    <p:sldId id="333" r:id="rId31"/>
+    <p:sldId id="333" r:id="rId30"/>
   </p:sldIdLst>
   <p:sldSz cx="9144000" cy="6858000" type="screen4x3"/>
   <p:notesSz cx="6881813" cy="9296400"/>
   <p:custDataLst>
-    <p:tags r:id="rId34"/>
+    <p:tags r:id="rId33"/>
   </p:custDataLst>
   <p:defaultTextStyle>
     <a:defPPr>
@@ -221,7 +220,6 @@
         <p14:section name="Questions and Homework" id="{582018E1-BCD4-4B64-9021-AA7DC827860A}">
           <p14:sldIdLst>
             <p14:sldId id="460"/>
-            <p14:sldId id="812"/>
             <p14:sldId id="333"/>
           </p14:sldIdLst>
         </p14:section>
@@ -374,7 +372,7 @@
             <a:fld id="{3BF7C7B5-275F-4D1F-9AB4-9255447DBC73}" type="datetimeFigureOut">
               <a:rPr lang="en-US"/>
               <a:pPr/>
-              <a:t>11/6/2014</a:t>
+              <a:t>2/1/2016</a:t>
             </a:fld>
             <a:endParaRPr lang="en-US" dirty="0"/>
           </a:p>
@@ -605,7 +603,7 @@
             <a:fld id="{9B46F231-FB2B-4655-A644-E2477325E686}" type="datetimeFigureOut">
               <a:rPr lang="en-US"/>
               <a:pPr/>
-              <a:t>11/6/2014</a:t>
+              <a:t>2/1/2016</a:t>
             </a:fld>
             <a:endParaRPr lang="en-US" dirty="0"/>
           </a:p>
@@ -1194,91 +1192,6 @@
     <p:extLst>
       <p:ext uri="{BB962C8B-B14F-4D97-AF65-F5344CB8AC3E}">
         <p14:creationId xmlns:p14="http://schemas.microsoft.com/office/powerpoint/2010/main" val="2447615989"/>
-      </p:ext>
-    </p:extLst>
-  </p:cSld>
-  <p:clrMapOvr>
-    <a:masterClrMapping/>
-  </p:clrMapOvr>
-</p:notes>
-</file>
-
-<file path=ppt/notesSlides/notesSlide4.xml><?xml version="1.0" encoding="utf-8"?>
-<p:notes xmlns:a="http://schemas.openxmlformats.org/drawingml/2006/main" xmlns:r="http://schemas.openxmlformats.org/officeDocument/2006/relationships" xmlns:p="http://schemas.openxmlformats.org/presentationml/2006/main">
-  <p:cSld>
-    <p:spTree>
-      <p:nvGrpSpPr>
-        <p:cNvPr id="1" name=""/>
-        <p:cNvGrpSpPr/>
-        <p:nvPr/>
-      </p:nvGrpSpPr>
-      <p:grpSpPr>
-        <a:xfrm>
-          <a:off x="0" y="0"/>
-          <a:ext cx="0" cy="0"/>
-          <a:chOff x="0" y="0"/>
-          <a:chExt cx="0" cy="0"/>
-        </a:xfrm>
-      </p:grpSpPr>
-      <p:sp>
-        <p:nvSpPr>
-          <p:cNvPr id="2" name="Slide Image Placeholder 1"/>
-          <p:cNvSpPr>
-            <a:spLocks noGrp="1" noRot="1" noChangeAspect="1"/>
-          </p:cNvSpPr>
-          <p:nvPr>
-            <p:ph type="sldImg"/>
-          </p:nvPr>
-        </p:nvSpPr>
-        <p:spPr/>
-      </p:sp>
-      <p:sp>
-        <p:nvSpPr>
-          <p:cNvPr id="3" name="Notes Placeholder 2"/>
-          <p:cNvSpPr>
-            <a:spLocks noGrp="1"/>
-          </p:cNvSpPr>
-          <p:nvPr>
-            <p:ph type="body" idx="1"/>
-          </p:nvPr>
-        </p:nvSpPr>
-        <p:spPr/>
-        <p:txBody>
-          <a:bodyPr/>
-          <a:lstStyle/>
-          <a:p>
-            <a:endParaRPr lang="en-US" dirty="0"/>
-          </a:p>
-        </p:txBody>
-      </p:sp>
-      <p:sp>
-        <p:nvSpPr>
-          <p:cNvPr id="4" name="Slide Number Placeholder 3"/>
-          <p:cNvSpPr>
-            <a:spLocks noGrp="1"/>
-          </p:cNvSpPr>
-          <p:nvPr>
-            <p:ph type="sldNum" sz="quarter" idx="10"/>
-          </p:nvPr>
-        </p:nvSpPr>
-        <p:spPr/>
-        <p:txBody>
-          <a:bodyPr/>
-          <a:lstStyle/>
-          <a:p>
-            <a:fld id="{6FB4F6EA-423E-42DF-9292-215E7D886C4E}" type="slidenum">
-              <a:rPr lang="en-US" smtClean="0"/>
-              <a:pPr/>
-              <a:t>29</a:t>
-            </a:fld>
-            <a:endParaRPr lang="en-US" dirty="0"/>
-          </a:p>
-        </p:txBody>
-      </p:sp>
-    </p:spTree>
-    <p:extLst>
-      <p:ext uri="{BB962C8B-B14F-4D97-AF65-F5344CB8AC3E}">
-        <p14:creationId xmlns:p14="http://schemas.microsoft.com/office/powerpoint/2010/main" val="238311669"/>
       </p:ext>
     </p:extLst>
   </p:cSld>
@@ -9275,11 +9188,7 @@
           <a:p>
             <a:r>
               <a:rPr lang="en-US" dirty="0" smtClean="0"/>
-              <a:t>Post-Cache Substitution </a:t>
-            </a:r>
-            <a:r>
-              <a:rPr lang="en-US" dirty="0" smtClean="0"/>
-              <a:t>Demo</a:t>
+              <a:t>Post-Cache Substitution Demo</a:t>
             </a:r>
             <a:endParaRPr lang="en-US" dirty="0"/>
           </a:p>
@@ -9447,7 +9356,6 @@
               <a:rPr lang="en-US" dirty="0" smtClean="0"/>
               <a:t>Cache only some part of the page</a:t>
             </a:r>
-            <a:endParaRPr lang="en-US" dirty="0" smtClean="0"/>
           </a:p>
           <a:p>
             <a:r>
@@ -9463,11 +9371,7 @@
             </a:r>
             <a:r>
               <a:rPr lang="en-US" dirty="0" smtClean="0"/>
-              <a:t>: To </a:t>
-            </a:r>
-            <a:r>
-              <a:rPr lang="en-US" dirty="0" smtClean="0"/>
-              <a:t>cache a page fragment, encapsulate in .</a:t>
+              <a:t>: To cache a page fragment, encapsulate in .</a:t>
             </a:r>
             <a:r>
               <a:rPr lang="en-US" dirty="0" err="1" smtClean="0"/>
@@ -9475,11 +9379,7 @@
             </a:r>
             <a:r>
               <a:rPr lang="en-US" dirty="0" smtClean="0"/>
-              <a:t> (user control) </a:t>
-            </a:r>
-            <a:r>
-              <a:rPr lang="en-US" dirty="0" smtClean="0"/>
-              <a:t>and mark with </a:t>
+              <a:t> (user control) and mark with </a:t>
             </a:r>
             <a:r>
               <a:rPr lang="en-US" dirty="0" err="1" smtClean="0"/>
@@ -9597,11 +9497,7 @@
           <a:p>
             <a:r>
               <a:rPr lang="en-US" dirty="0" smtClean="0"/>
-              <a:t>Page Fragment </a:t>
-            </a:r>
-            <a:r>
-              <a:rPr lang="en-US" dirty="0" smtClean="0"/>
-              <a:t>Caching MVC</a:t>
+              <a:t>Page Fragment Caching MVC</a:t>
             </a:r>
             <a:endParaRPr lang="en-US" dirty="0"/>
           </a:p>
@@ -9640,34 +9536,14 @@
             </a:r>
             <a:r>
               <a:rPr lang="en-US" dirty="0" smtClean="0"/>
-              <a:t>: To </a:t>
-            </a:r>
+              <a:t>: To cache a page fragment</a:t>
+            </a:r>
+          </a:p>
+          <a:p>
+            <a:pPr lvl="1"/>
             <a:r>
               <a:rPr lang="en-US" dirty="0" smtClean="0"/>
-              <a:t>cache a page </a:t>
-            </a:r>
-            <a:r>
-              <a:rPr lang="en-US" dirty="0" smtClean="0"/>
-              <a:t>fragment</a:t>
-            </a:r>
-          </a:p>
-          <a:p>
-            <a:pPr lvl="1"/>
-            <a:r>
-              <a:rPr lang="en-US" dirty="0" smtClean="0"/>
-              <a:t>1. E</a:t>
-            </a:r>
-            <a:r>
-              <a:rPr lang="en-US" dirty="0" smtClean="0"/>
-              <a:t>ncapsulate </a:t>
-            </a:r>
-            <a:r>
-              <a:rPr lang="en-US" dirty="0" smtClean="0"/>
-              <a:t>in </a:t>
-            </a:r>
-            <a:r>
-              <a:rPr lang="en-US" dirty="0" smtClean="0"/>
-              <a:t>child action with </a:t>
+              <a:t>1. Encapsulate in child action with </a:t>
             </a:r>
             <a:r>
               <a:rPr lang="en-US" dirty="0">
@@ -9706,7 +9582,6 @@
               <a:rPr lang="en-US" dirty="0"/>
               <a:t>and return partial view:</a:t>
             </a:r>
-            <a:endParaRPr lang="en-US" dirty="0"/>
           </a:p>
           <a:p>
             <a:pPr lvl="1">
@@ -10129,7 +10004,6 @@
               <a:rPr lang="en-US" dirty="0"/>
               <a:t>}</a:t>
             </a:r>
-            <a:endParaRPr lang="en-US" dirty="0"/>
           </a:p>
         </p:txBody>
       </p:sp>
@@ -10425,7 +10299,6 @@
               <a:rPr lang="en-US" dirty="0"/>
               <a:t>")</a:t>
             </a:r>
-            <a:endParaRPr lang="en-US" dirty="0"/>
           </a:p>
         </p:txBody>
       </p:sp>
@@ -12834,20 +12707,12 @@
               <a:rPr lang="en-US" dirty="0" smtClean="0"/>
               <a:t>cache data</a:t>
             </a:r>
-            <a:r>
-              <a:rPr lang="en-US" dirty="0" smtClean="0"/>
-              <a:t/>
-            </a:r>
             <a:br>
               <a:rPr lang="en-US" dirty="0" smtClean="0"/>
             </a:br>
             <a:r>
               <a:rPr lang="en-US" dirty="0" smtClean="0"/>
-              <a:t>will be removed </a:t>
-            </a:r>
-            <a:r>
-              <a:rPr lang="en-US" dirty="0" smtClean="0"/>
-              <a:t>first</a:t>
+              <a:t>will be removed first</a:t>
             </a:r>
           </a:p>
           <a:p>
@@ -13423,507 +13288,6 @@
 </file>
 
 <file path=ppt/slides/slide29.xml><?xml version="1.0" encoding="utf-8"?>
-<p:sld xmlns:a="http://schemas.openxmlformats.org/drawingml/2006/main" xmlns:r="http://schemas.openxmlformats.org/officeDocument/2006/relationships" xmlns:p="http://schemas.openxmlformats.org/presentationml/2006/main" show="0">
-  <p:cSld>
-    <p:spTree>
-      <p:nvGrpSpPr>
-        <p:cNvPr id="1" name=""/>
-        <p:cNvGrpSpPr/>
-        <p:nvPr/>
-      </p:nvGrpSpPr>
-      <p:grpSpPr>
-        <a:xfrm>
-          <a:off x="0" y="0"/>
-          <a:ext cx="0" cy="0"/>
-          <a:chOff x="0" y="0"/>
-          <a:chExt cx="0" cy="0"/>
-        </a:xfrm>
-      </p:grpSpPr>
-      <p:sp>
-        <p:nvSpPr>
-          <p:cNvPr id="4" name="Title 3"/>
-          <p:cNvSpPr>
-            <a:spLocks noGrp="1"/>
-          </p:cNvSpPr>
-          <p:nvPr>
-            <p:ph type="title"/>
-          </p:nvPr>
-        </p:nvSpPr>
-        <p:spPr>
-          <a:xfrm>
-            <a:off x="1828800" y="0"/>
-            <a:ext cx="7086600" cy="838200"/>
-          </a:xfrm>
-        </p:spPr>
-        <p:txBody>
-          <a:bodyPr/>
-          <a:lstStyle/>
-          <a:p>
-            <a:r>
-              <a:rPr lang="en-US" dirty="0" smtClean="0"/>
-              <a:t>Homework</a:t>
-            </a:r>
-            <a:endParaRPr lang="en-US" dirty="0"/>
-          </a:p>
-        </p:txBody>
-      </p:sp>
-      <p:sp>
-        <p:nvSpPr>
-          <p:cNvPr id="5" name="Content Placeholder 4"/>
-          <p:cNvSpPr>
-            <a:spLocks noGrp="1"/>
-          </p:cNvSpPr>
-          <p:nvPr>
-            <p:ph idx="1"/>
-          </p:nvPr>
-        </p:nvSpPr>
-        <p:spPr>
-          <a:xfrm>
-            <a:off x="228600" y="685800"/>
-            <a:ext cx="8763000" cy="5867400"/>
-          </a:xfrm>
-        </p:spPr>
-        <p:txBody>
-          <a:bodyPr/>
-          <a:lstStyle/>
-          <a:p>
-            <a:pPr marL="514350" indent="-514350">
-              <a:spcBef>
-                <a:spcPts val="0"/>
-              </a:spcBef>
-              <a:spcAft>
-                <a:spcPts val="0"/>
-              </a:spcAft>
-              <a:buFont typeface="+mj-lt"/>
-              <a:buAutoNum type="arabicPeriod"/>
-            </a:pPr>
-            <a:r>
-              <a:rPr lang="en-US" dirty="0" smtClean="0"/>
-              <a:t>Create new project from the default ASP.NET Web Forms </a:t>
-            </a:r>
-            <a:r>
-              <a:rPr lang="en-US" dirty="0"/>
-              <a:t>application template </a:t>
-            </a:r>
-            <a:r>
-              <a:rPr lang="en-US" dirty="0" smtClean="0"/>
-              <a:t>and:</a:t>
-            </a:r>
-          </a:p>
-          <a:p>
-            <a:pPr marL="862013" lvl="1" indent="-514350">
-              <a:spcBef>
-                <a:spcPts val="0"/>
-              </a:spcBef>
-              <a:spcAft>
-                <a:spcPts val="0"/>
-              </a:spcAft>
-            </a:pPr>
-            <a:r>
-              <a:rPr lang="en-US" dirty="0" smtClean="0"/>
-              <a:t>Make </a:t>
-            </a:r>
-            <a:r>
-              <a:rPr lang="en-US" dirty="0"/>
-              <a:t>About.aspx page cacheable </a:t>
-            </a:r>
-            <a:r>
-              <a:rPr lang="en-US" dirty="0" smtClean="0"/>
-              <a:t>for 1 hour</a:t>
-            </a:r>
-          </a:p>
-          <a:p>
-            <a:pPr marL="862013" lvl="1" indent="-514350">
-              <a:spcBef>
-                <a:spcPts val="0"/>
-              </a:spcBef>
-              <a:spcAft>
-                <a:spcPts val="0"/>
-              </a:spcAft>
-            </a:pPr>
-            <a:r>
-              <a:rPr lang="en-US" dirty="0" smtClean="0"/>
-              <a:t>Create cacheable user control</a:t>
-            </a:r>
-          </a:p>
-          <a:p>
-            <a:pPr marL="514350" indent="-514350">
-              <a:spcBef>
-                <a:spcPts val="0"/>
-              </a:spcBef>
-              <a:spcAft>
-                <a:spcPts val="0"/>
-              </a:spcAft>
-              <a:buFont typeface="+mj-lt"/>
-              <a:buAutoNum type="arabicPeriod"/>
-            </a:pPr>
-            <a:r>
-              <a:rPr lang="en-US" dirty="0" smtClean="0"/>
-              <a:t>* Add a new web forms page that shows the list of all files in a given directory and caches them till the </a:t>
-            </a:r>
-            <a:r>
-              <a:rPr lang="en-US" smtClean="0"/>
-              <a:t>directory changes</a:t>
-            </a:r>
-            <a:endParaRPr lang="en-US" dirty="0" smtClean="0"/>
-          </a:p>
-          <a:p>
-            <a:pPr marL="514350" indent="-514350">
-              <a:spcBef>
-                <a:spcPts val="0"/>
-              </a:spcBef>
-              <a:spcAft>
-                <a:spcPts val="0"/>
-              </a:spcAft>
-              <a:buFont typeface="+mj-lt"/>
-              <a:buAutoNum type="arabicPeriod"/>
-            </a:pPr>
-            <a:r>
-              <a:rPr lang="en-US" dirty="0" smtClean="0"/>
-              <a:t>* Learn more about caching by reading about</a:t>
-            </a:r>
-          </a:p>
-          <a:p>
-            <a:pPr marL="862013" lvl="1" indent="-514350">
-              <a:spcBef>
-                <a:spcPts val="0"/>
-              </a:spcBef>
-              <a:spcAft>
-                <a:spcPts val="0"/>
-              </a:spcAft>
-            </a:pPr>
-            <a:r>
-              <a:rPr lang="en-US" dirty="0"/>
-              <a:t>Data source </a:t>
-            </a:r>
-            <a:r>
-              <a:rPr lang="en-US" dirty="0" smtClean="0"/>
-              <a:t>caching</a:t>
-            </a:r>
-          </a:p>
-          <a:p>
-            <a:pPr marL="862013" lvl="1" indent="-514350">
-              <a:spcBef>
-                <a:spcPts val="0"/>
-              </a:spcBef>
-              <a:spcAft>
-                <a:spcPts val="0"/>
-              </a:spcAft>
-            </a:pPr>
-            <a:r>
-              <a:rPr lang="en-US" dirty="0"/>
-              <a:t>SQL cache dependencies</a:t>
-            </a:r>
-          </a:p>
-          <a:p>
-            <a:pPr marL="862013" lvl="1" indent="-514350">
-              <a:spcBef>
-                <a:spcPts val="0"/>
-              </a:spcBef>
-              <a:spcAft>
-                <a:spcPts val="0"/>
-              </a:spcAft>
-            </a:pPr>
-            <a:r>
-              <a:rPr lang="en-US" dirty="0" smtClean="0">
-                <a:hlinkClick r:id="rId3"/>
-              </a:rPr>
-              <a:t>http</a:t>
-            </a:r>
-            <a:r>
-              <a:rPr lang="en-US" dirty="0">
-                <a:hlinkClick r:id="rId3"/>
-              </a:rPr>
-              <a:t>://www.codeproject.com/Articles/29899/Exploring-Caching-in-ASP-NET</a:t>
-            </a:r>
-            <a:endParaRPr lang="en-US" dirty="0"/>
-          </a:p>
-        </p:txBody>
-      </p:sp>
-      <p:sp>
-        <p:nvSpPr>
-          <p:cNvPr id="2" name="Slide Number Placeholder 1"/>
-          <p:cNvSpPr>
-            <a:spLocks noGrp="1"/>
-          </p:cNvSpPr>
-          <p:nvPr>
-            <p:ph type="sldNum" sz="quarter" idx="10"/>
-          </p:nvPr>
-        </p:nvSpPr>
-        <p:spPr/>
-        <p:txBody>
-          <a:bodyPr/>
-          <a:lstStyle/>
-          <a:p>
-            <a:pPr>
-              <a:defRPr/>
-            </a:pPr>
-            <a:fld id="{58452FF4-89E3-4D1B-9927-2DBDC00E58D7}" type="slidenum">
-              <a:rPr lang="en-US" smtClean="0"/>
-              <a:pPr>
-                <a:defRPr/>
-              </a:pPr>
-              <a:t>29</a:t>
-            </a:fld>
-            <a:endParaRPr lang="en-US" dirty="0"/>
-          </a:p>
-        </p:txBody>
-      </p:sp>
-    </p:spTree>
-    <p:extLst>
-      <p:ext uri="{BB962C8B-B14F-4D97-AF65-F5344CB8AC3E}">
-        <p14:creationId xmlns:p14="http://schemas.microsoft.com/office/powerpoint/2010/main" val="2320107476"/>
-      </p:ext>
-    </p:extLst>
-  </p:cSld>
-  <p:clrMapOvr>
-    <a:masterClrMapping/>
-  </p:clrMapOvr>
-  <mc:AlternateContent xmlns:mc="http://schemas.openxmlformats.org/markup-compatibility/2006" xmlns:p14="http://schemas.microsoft.com/office/powerpoint/2010/main">
-    <mc:Choice Requires="p14">
-      <p:transition spd="slow" p14:dur="2000"/>
-    </mc:Choice>
-    <mc:Fallback xmlns="">
-      <p:transition spd="slow"/>
-    </mc:Fallback>
-  </mc:AlternateContent>
-  <p:timing>
-    <p:tnLst>
-      <p:par>
-        <p:cTn id="1" dur="indefinite" restart="never" nodeType="tmRoot"/>
-      </p:par>
-    </p:tnLst>
-  </p:timing>
-</p:sld>
-</file>
-
-<file path=ppt/slides/slide3.xml><?xml version="1.0" encoding="utf-8"?>
-<p:sld xmlns:a="http://schemas.openxmlformats.org/drawingml/2006/main" xmlns:r="http://schemas.openxmlformats.org/officeDocument/2006/relationships" xmlns:p="http://schemas.openxmlformats.org/presentationml/2006/main">
-  <p:cSld>
-    <p:spTree>
-      <p:nvGrpSpPr>
-        <p:cNvPr id="1" name=""/>
-        <p:cNvGrpSpPr/>
-        <p:nvPr/>
-      </p:nvGrpSpPr>
-      <p:grpSpPr>
-        <a:xfrm>
-          <a:off x="0" y="0"/>
-          <a:ext cx="0" cy="0"/>
-          <a:chOff x="0" y="0"/>
-          <a:chExt cx="0" cy="0"/>
-        </a:xfrm>
-      </p:grpSpPr>
-      <p:sp>
-        <p:nvSpPr>
-          <p:cNvPr id="2" name="Title 1"/>
-          <p:cNvSpPr>
-            <a:spLocks noGrp="1"/>
-          </p:cNvSpPr>
-          <p:nvPr>
-            <p:ph type="title"/>
-          </p:nvPr>
-        </p:nvSpPr>
-        <p:spPr/>
-        <p:txBody>
-          <a:bodyPr/>
-          <a:lstStyle/>
-          <a:p>
-            <a:r>
-              <a:rPr lang="en-US" dirty="0" smtClean="0"/>
-              <a:t>Benefits and Costs of Caching</a:t>
-            </a:r>
-            <a:endParaRPr lang="en-US" dirty="0"/>
-          </a:p>
-        </p:txBody>
-      </p:sp>
-      <p:sp>
-        <p:nvSpPr>
-          <p:cNvPr id="3" name="Content Placeholder 2"/>
-          <p:cNvSpPr>
-            <a:spLocks noGrp="1"/>
-          </p:cNvSpPr>
-          <p:nvPr>
-            <p:ph idx="1"/>
-          </p:nvPr>
-        </p:nvSpPr>
-        <p:spPr/>
-        <p:txBody>
-          <a:bodyPr/>
-          <a:lstStyle/>
-          <a:p>
-            <a:pPr>
-              <a:spcBef>
-                <a:spcPts val="300"/>
-              </a:spcBef>
-              <a:spcAft>
-                <a:spcPts val="300"/>
-              </a:spcAft>
-            </a:pPr>
-            <a:r>
-              <a:rPr lang="en-US" dirty="0" smtClean="0"/>
-              <a:t>Benefits of Caching</a:t>
-            </a:r>
-            <a:endParaRPr lang="bg-BG" dirty="0" smtClean="0"/>
-          </a:p>
-          <a:p>
-            <a:pPr lvl="1">
-              <a:spcBef>
-                <a:spcPts val="300"/>
-              </a:spcBef>
-              <a:spcAft>
-                <a:spcPts val="300"/>
-              </a:spcAft>
-            </a:pPr>
-            <a:r>
-              <a:rPr lang="en-US" dirty="0" smtClean="0"/>
-              <a:t>Performance</a:t>
-            </a:r>
-          </a:p>
-          <a:p>
-            <a:pPr lvl="2">
-              <a:spcBef>
-                <a:spcPts val="300"/>
-              </a:spcBef>
-              <a:spcAft>
-                <a:spcPts val="300"/>
-              </a:spcAft>
-            </a:pPr>
-            <a:r>
-              <a:rPr lang="en-US" dirty="0" smtClean="0"/>
-              <a:t>Speed – Reduced response time</a:t>
-            </a:r>
-          </a:p>
-          <a:p>
-            <a:pPr lvl="2">
-              <a:spcBef>
-                <a:spcPts val="300"/>
-              </a:spcBef>
-              <a:spcAft>
-                <a:spcPts val="300"/>
-              </a:spcAft>
-            </a:pPr>
-            <a:r>
-              <a:rPr lang="en-US" dirty="0" smtClean="0"/>
-              <a:t>Efficiency – Reduced infrastructure usage</a:t>
-            </a:r>
-          </a:p>
-          <a:p>
-            <a:pPr lvl="3">
-              <a:spcBef>
-                <a:spcPts val="300"/>
-              </a:spcBef>
-              <a:spcAft>
-                <a:spcPts val="300"/>
-              </a:spcAft>
-            </a:pPr>
-            <a:r>
-              <a:rPr lang="en-US" dirty="0" smtClean="0"/>
-              <a:t>CPU time, database utilization, network bandwidth</a:t>
-            </a:r>
-          </a:p>
-          <a:p>
-            <a:pPr lvl="3">
-              <a:spcBef>
-                <a:spcPts val="300"/>
-              </a:spcBef>
-              <a:spcAft>
-                <a:spcPts val="300"/>
-              </a:spcAft>
-            </a:pPr>
-            <a:r>
-              <a:rPr lang="en-US" dirty="0"/>
-              <a:t>Reduce DB round trips</a:t>
-            </a:r>
-          </a:p>
-          <a:p>
-            <a:pPr>
-              <a:spcBef>
-                <a:spcPts val="300"/>
-              </a:spcBef>
-              <a:spcAft>
-                <a:spcPts val="300"/>
-              </a:spcAft>
-            </a:pPr>
-            <a:r>
-              <a:rPr lang="en-US" dirty="0" smtClean="0"/>
-              <a:t>Costs of Caching</a:t>
-            </a:r>
-          </a:p>
-          <a:p>
-            <a:pPr lvl="1">
-              <a:spcBef>
-                <a:spcPts val="300"/>
-              </a:spcBef>
-              <a:spcAft>
-                <a:spcPts val="300"/>
-              </a:spcAft>
-            </a:pPr>
-            <a:r>
-              <a:rPr lang="en-US" dirty="0" smtClean="0"/>
-              <a:t>Staleness (out-of-date)</a:t>
-            </a:r>
-          </a:p>
-          <a:p>
-            <a:pPr lvl="1">
-              <a:spcBef>
-                <a:spcPts val="300"/>
-              </a:spcBef>
-              <a:spcAft>
-                <a:spcPts val="300"/>
-              </a:spcAft>
-            </a:pPr>
-            <a:r>
-              <a:rPr lang="en-US" dirty="0" smtClean="0"/>
-              <a:t>Need to check and refresh data</a:t>
-            </a:r>
-            <a:endParaRPr lang="en-US" dirty="0"/>
-          </a:p>
-        </p:txBody>
-      </p:sp>
-      <p:sp>
-        <p:nvSpPr>
-          <p:cNvPr id="4" name="Slide Number Placeholder 3"/>
-          <p:cNvSpPr>
-            <a:spLocks noGrp="1"/>
-          </p:cNvSpPr>
-          <p:nvPr>
-            <p:ph type="sldNum" sz="quarter" idx="10"/>
-          </p:nvPr>
-        </p:nvSpPr>
-        <p:spPr/>
-        <p:txBody>
-          <a:bodyPr/>
-          <a:lstStyle/>
-          <a:p>
-            <a:pPr>
-              <a:defRPr/>
-            </a:pPr>
-            <a:fld id="{58452FF4-89E3-4D1B-9927-2DBDC00E58D7}" type="slidenum">
-              <a:rPr lang="en-US" smtClean="0"/>
-              <a:pPr>
-                <a:defRPr/>
-              </a:pPr>
-              <a:t>3</a:t>
-            </a:fld>
-            <a:endParaRPr lang="en-US" dirty="0"/>
-          </a:p>
-        </p:txBody>
-      </p:sp>
-    </p:spTree>
-    <p:extLst>
-      <p:ext uri="{BB962C8B-B14F-4D97-AF65-F5344CB8AC3E}">
-        <p14:creationId xmlns:p14="http://schemas.microsoft.com/office/powerpoint/2010/main" val="243970046"/>
-      </p:ext>
-    </p:extLst>
-  </p:cSld>
-  <p:clrMapOvr>
-    <a:masterClrMapping/>
-  </p:clrMapOvr>
-</p:sld>
-</file>
-
-<file path=ppt/slides/slide30.xml><?xml version="1.0" encoding="utf-8"?>
 <p:sld xmlns:a="http://schemas.openxmlformats.org/drawingml/2006/main" xmlns:r="http://schemas.openxmlformats.org/officeDocument/2006/relationships" xmlns:p="http://schemas.openxmlformats.org/presentationml/2006/main">
   <p:cSld>
     <p:spTree>
@@ -14386,7 +13750,7 @@
               <a:pPr>
                 <a:defRPr/>
               </a:pPr>
-              <a:t>30</a:t>
+              <a:t>29</a:t>
             </a:fld>
             <a:endParaRPr lang="en-US" dirty="0"/>
           </a:p>
@@ -14409,6 +13773,232 @@
       </p:par>
     </p:tnLst>
   </p:timing>
+</p:sld>
+</file>
+
+<file path=ppt/slides/slide3.xml><?xml version="1.0" encoding="utf-8"?>
+<p:sld xmlns:a="http://schemas.openxmlformats.org/drawingml/2006/main" xmlns:r="http://schemas.openxmlformats.org/officeDocument/2006/relationships" xmlns:p="http://schemas.openxmlformats.org/presentationml/2006/main">
+  <p:cSld>
+    <p:spTree>
+      <p:nvGrpSpPr>
+        <p:cNvPr id="1" name=""/>
+        <p:cNvGrpSpPr/>
+        <p:nvPr/>
+      </p:nvGrpSpPr>
+      <p:grpSpPr>
+        <a:xfrm>
+          <a:off x="0" y="0"/>
+          <a:ext cx="0" cy="0"/>
+          <a:chOff x="0" y="0"/>
+          <a:chExt cx="0" cy="0"/>
+        </a:xfrm>
+      </p:grpSpPr>
+      <p:sp>
+        <p:nvSpPr>
+          <p:cNvPr id="2" name="Title 1"/>
+          <p:cNvSpPr>
+            <a:spLocks noGrp="1"/>
+          </p:cNvSpPr>
+          <p:nvPr>
+            <p:ph type="title"/>
+          </p:nvPr>
+        </p:nvSpPr>
+        <p:spPr/>
+        <p:txBody>
+          <a:bodyPr/>
+          <a:lstStyle/>
+          <a:p>
+            <a:r>
+              <a:rPr lang="en-US" dirty="0" smtClean="0"/>
+              <a:t>Benefits and Costs of Caching</a:t>
+            </a:r>
+            <a:endParaRPr lang="en-US" dirty="0"/>
+          </a:p>
+        </p:txBody>
+      </p:sp>
+      <p:sp>
+        <p:nvSpPr>
+          <p:cNvPr id="3" name="Content Placeholder 2"/>
+          <p:cNvSpPr>
+            <a:spLocks noGrp="1"/>
+          </p:cNvSpPr>
+          <p:nvPr>
+            <p:ph idx="1"/>
+          </p:nvPr>
+        </p:nvSpPr>
+        <p:spPr/>
+        <p:txBody>
+          <a:bodyPr/>
+          <a:lstStyle/>
+          <a:p>
+            <a:pPr>
+              <a:spcBef>
+                <a:spcPts val="300"/>
+              </a:spcBef>
+              <a:spcAft>
+                <a:spcPts val="300"/>
+              </a:spcAft>
+            </a:pPr>
+            <a:r>
+              <a:rPr lang="en-US" dirty="0" smtClean="0"/>
+              <a:t>Benefits of Caching</a:t>
+            </a:r>
+            <a:endParaRPr lang="bg-BG" dirty="0" smtClean="0"/>
+          </a:p>
+          <a:p>
+            <a:pPr lvl="1">
+              <a:spcBef>
+                <a:spcPts val="300"/>
+              </a:spcBef>
+              <a:spcAft>
+                <a:spcPts val="300"/>
+              </a:spcAft>
+            </a:pPr>
+            <a:r>
+              <a:rPr lang="en-US" dirty="0" smtClean="0"/>
+              <a:t>Performance</a:t>
+            </a:r>
+          </a:p>
+          <a:p>
+            <a:pPr lvl="2">
+              <a:spcBef>
+                <a:spcPts val="300"/>
+              </a:spcBef>
+              <a:spcAft>
+                <a:spcPts val="300"/>
+              </a:spcAft>
+            </a:pPr>
+            <a:r>
+              <a:rPr lang="en-US" dirty="0" smtClean="0"/>
+              <a:t>Speed – Reduced response time</a:t>
+            </a:r>
+          </a:p>
+          <a:p>
+            <a:pPr lvl="2">
+              <a:spcBef>
+                <a:spcPts val="300"/>
+              </a:spcBef>
+              <a:spcAft>
+                <a:spcPts val="300"/>
+              </a:spcAft>
+            </a:pPr>
+            <a:r>
+              <a:rPr lang="en-US" dirty="0" smtClean="0"/>
+              <a:t>Efficiency – Reduced infrastructure usage</a:t>
+            </a:r>
+          </a:p>
+          <a:p>
+            <a:pPr lvl="3">
+              <a:spcBef>
+                <a:spcPts val="300"/>
+              </a:spcBef>
+              <a:spcAft>
+                <a:spcPts val="300"/>
+              </a:spcAft>
+            </a:pPr>
+            <a:r>
+              <a:rPr lang="en-US" dirty="0" smtClean="0"/>
+              <a:t>CPU time, database utilization, network bandwidth</a:t>
+            </a:r>
+          </a:p>
+          <a:p>
+            <a:pPr lvl="3">
+              <a:spcBef>
+                <a:spcPts val="300"/>
+              </a:spcBef>
+              <a:spcAft>
+                <a:spcPts val="300"/>
+              </a:spcAft>
+            </a:pPr>
+            <a:r>
+              <a:rPr lang="en-US" dirty="0"/>
+              <a:t>Reduce DB round trips</a:t>
+            </a:r>
+          </a:p>
+          <a:p>
+            <a:pPr>
+              <a:spcBef>
+                <a:spcPts val="300"/>
+              </a:spcBef>
+              <a:spcAft>
+                <a:spcPts val="300"/>
+              </a:spcAft>
+            </a:pPr>
+            <a:r>
+              <a:rPr lang="en-US" dirty="0" smtClean="0"/>
+              <a:t>Costs of Caching</a:t>
+            </a:r>
+          </a:p>
+          <a:p>
+            <a:pPr lvl="1">
+              <a:spcBef>
+                <a:spcPts val="300"/>
+              </a:spcBef>
+              <a:spcAft>
+                <a:spcPts val="300"/>
+              </a:spcAft>
+            </a:pPr>
+            <a:r>
+              <a:rPr lang="en-US" dirty="0" smtClean="0"/>
+              <a:t>Staleness (out-of-date)</a:t>
+            </a:r>
+          </a:p>
+          <a:p>
+            <a:pPr lvl="1">
+              <a:spcBef>
+                <a:spcPts val="300"/>
+              </a:spcBef>
+              <a:spcAft>
+                <a:spcPts val="300"/>
+              </a:spcAft>
+            </a:pPr>
+            <a:r>
+              <a:rPr lang="en-US" dirty="0" smtClean="0"/>
+              <a:t>Need to check and refresh data</a:t>
+            </a:r>
+            <a:endParaRPr lang="en-US" dirty="0"/>
+          </a:p>
+        </p:txBody>
+      </p:sp>
+      <p:sp>
+        <p:nvSpPr>
+          <p:cNvPr id="4" name="Slide Number Placeholder 3"/>
+          <p:cNvSpPr>
+            <a:spLocks noGrp="1"/>
+          </p:cNvSpPr>
+          <p:nvPr>
+            <p:ph type="sldNum" sz="quarter" idx="10"/>
+          </p:nvPr>
+        </p:nvSpPr>
+        <p:spPr/>
+        <p:txBody>
+          <a:bodyPr/>
+          <a:lstStyle/>
+          <a:p>
+            <a:pPr>
+              <a:defRPr/>
+            </a:pPr>
+            <a:fld id="{58452FF4-89E3-4D1B-9927-2DBDC00E58D7}" type="slidenum">
+              <a:rPr lang="en-US" smtClean="0"/>
+              <a:pPr>
+                <a:defRPr/>
+              </a:pPr>
+              <a:t>3</a:t>
+            </a:fld>
+            <a:endParaRPr lang="en-US" dirty="0"/>
+          </a:p>
+        </p:txBody>
+      </p:sp>
+    </p:spTree>
+    <p:extLst>
+      <p:ext uri="{BB962C8B-B14F-4D97-AF65-F5344CB8AC3E}">
+        <p14:creationId xmlns:p14="http://schemas.microsoft.com/office/powerpoint/2010/main" val="243970046"/>
+      </p:ext>
+    </p:extLst>
+  </p:cSld>
+  <p:clrMapOvr>
+    <a:masterClrMapping/>
+  </p:clrMapOvr>
 </p:sld>
 </file>
 
